--- a/발표자료/Secure Coding 발표자료(수정).pptx
+++ b/발표자료/Secure Coding 발표자료(수정).pptx
@@ -6,16 +6,17 @@
   </p:sldMasterIdLst>
   <p:sldIdLst>
     <p:sldId id="257" r:id="rId2"/>
-    <p:sldId id="258" r:id="rId3"/>
-    <p:sldId id="259" r:id="rId4"/>
-    <p:sldId id="260" r:id="rId5"/>
-    <p:sldId id="271" r:id="rId6"/>
-    <p:sldId id="265" r:id="rId7"/>
-    <p:sldId id="266" r:id="rId8"/>
-    <p:sldId id="267" r:id="rId9"/>
-    <p:sldId id="268" r:id="rId10"/>
-    <p:sldId id="269" r:id="rId11"/>
-    <p:sldId id="263" r:id="rId12"/>
+    <p:sldId id="272" r:id="rId3"/>
+    <p:sldId id="258" r:id="rId4"/>
+    <p:sldId id="259" r:id="rId5"/>
+    <p:sldId id="260" r:id="rId6"/>
+    <p:sldId id="271" r:id="rId7"/>
+    <p:sldId id="265" r:id="rId8"/>
+    <p:sldId id="266" r:id="rId9"/>
+    <p:sldId id="267" r:id="rId10"/>
+    <p:sldId id="268" r:id="rId11"/>
+    <p:sldId id="269" r:id="rId12"/>
+    <p:sldId id="263" r:id="rId13"/>
   </p:sldIdLst>
   <p:sldSz cx="12192000" cy="6858000"/>
   <p:notesSz cx="6858000" cy="9144000"/>
@@ -131,6 +132,14 @@
     </p:ext>
   </p:extLst>
 </p:presentation>
+</file>
+
+<file path=ppt/revisionInfo.xml><?xml version="1.0" encoding="utf-8"?>
+<p1510:revInfo xmlns:a="http://schemas.openxmlformats.org/drawingml/2006/main" xmlns:r="http://schemas.openxmlformats.org/officeDocument/2006/relationships" xmlns:p1510="http://schemas.microsoft.com/office/powerpoint/2015/10/main">
+  <p1510:revLst>
+    <p1510:client id="{FDB0CE73-674C-4572-A5E7-7996780A23CB}" v="12" dt="2022-08-12T11:02:39.095"/>
+  </p1510:revLst>
+</p1510:revInfo>
 </file>
 
 <file path=ppt/slideLayouts/slideLayout1.xml><?xml version="1.0" encoding="utf-8"?>
@@ -3498,6 +3507,109 @@
           <p:cNvPr id="2" name="제목 1">
             <a:extLst>
               <a:ext uri="{FF2B5EF4-FFF2-40B4-BE49-F238E27FC236}">
+                <a16:creationId xmlns:a16="http://schemas.microsoft.com/office/drawing/2014/main" id="{9C51D5ED-0C81-9A61-464B-CBC11AB0C77C}"/>
+              </a:ext>
+            </a:extLst>
+          </p:cNvPr>
+          <p:cNvSpPr>
+            <a:spLocks noGrp="1"/>
+          </p:cNvSpPr>
+          <p:nvPr>
+            <p:ph type="title"/>
+          </p:nvPr>
+        </p:nvSpPr>
+        <p:spPr/>
+        <p:txBody>
+          <a:bodyPr/>
+          <a:lstStyle/>
+          <a:p>
+            <a:r>
+              <a:rPr lang="en-US" altLang="ko-KR" b="1"/>
+              <a:t>6</a:t>
+            </a:r>
+            <a:r>
+              <a:rPr lang="ko-KR" altLang="en-US" b="1"/>
+              <a:t>절 캡슐화</a:t>
+            </a:r>
+          </a:p>
+        </p:txBody>
+      </p:sp>
+      <p:sp>
+        <p:nvSpPr>
+          <p:cNvPr id="3" name="내용 개체 틀 2">
+            <a:extLst>
+              <a:ext uri="{FF2B5EF4-FFF2-40B4-BE49-F238E27FC236}">
+                <a16:creationId xmlns:a16="http://schemas.microsoft.com/office/drawing/2014/main" id="{EA831A3E-7533-45B0-4190-04F49D5E6408}"/>
+              </a:ext>
+            </a:extLst>
+          </p:cNvPr>
+          <p:cNvSpPr>
+            <a:spLocks noGrp="1"/>
+          </p:cNvSpPr>
+          <p:nvPr>
+            <p:ph idx="1"/>
+          </p:nvPr>
+        </p:nvSpPr>
+        <p:spPr/>
+        <p:txBody>
+          <a:bodyPr/>
+          <a:lstStyle/>
+          <a:p>
+            <a:pPr marL="514350" indent="-514350">
+              <a:buAutoNum type="arabicPeriod"/>
+            </a:pPr>
+            <a:r>
+              <a:rPr lang="ko-KR" altLang="en-US"/>
+              <a:t>제거되지 않은 디버그 코드</a:t>
+            </a:r>
+            <a:endParaRPr lang="en-US" altLang="ko-KR"/>
+          </a:p>
+          <a:p>
+            <a:pPr marL="514350" indent="-514350">
+              <a:buAutoNum type="arabicPeriod"/>
+            </a:pPr>
+            <a:r>
+              <a:rPr lang="ko-KR" altLang="en-US"/>
+              <a:t>시스템 데이터 정보 노출</a:t>
+            </a:r>
+          </a:p>
+        </p:txBody>
+      </p:sp>
+    </p:spTree>
+    <p:extLst>
+      <p:ext uri="{BB962C8B-B14F-4D97-AF65-F5344CB8AC3E}">
+        <p14:creationId xmlns:p14="http://schemas.microsoft.com/office/powerpoint/2010/main" val="611997382"/>
+      </p:ext>
+    </p:extLst>
+  </p:cSld>
+  <p:clrMapOvr>
+    <a:masterClrMapping/>
+  </p:clrMapOvr>
+</p:sld>
+</file>
+
+<file path=ppt/slides/slide11.xml><?xml version="1.0" encoding="utf-8"?>
+<p:sld xmlns:a="http://schemas.openxmlformats.org/drawingml/2006/main" xmlns:r="http://schemas.openxmlformats.org/officeDocument/2006/relationships" xmlns:p="http://schemas.openxmlformats.org/presentationml/2006/main">
+  <p:cSld>
+    <p:spTree>
+      <p:nvGrpSpPr>
+        <p:cNvPr id="1" name=""/>
+        <p:cNvGrpSpPr/>
+        <p:nvPr/>
+      </p:nvGrpSpPr>
+      <p:grpSpPr>
+        <a:xfrm>
+          <a:off x="0" y="0"/>
+          <a:ext cx="0" cy="0"/>
+          <a:chOff x="0" y="0"/>
+          <a:chExt cx="0" cy="0"/>
+        </a:xfrm>
+      </p:grpSpPr>
+      <p:sp>
+        <p:nvSpPr>
+          <p:cNvPr id="2" name="제목 1">
+            <a:extLst>
+              <a:ext uri="{FF2B5EF4-FFF2-40B4-BE49-F238E27FC236}">
                 <a16:creationId xmlns:a16="http://schemas.microsoft.com/office/drawing/2014/main" id="{34BA6AF7-3BA7-B9D7-4B9A-8008EFBA9B91}"/>
               </a:ext>
             </a:extLst>
@@ -3633,7 +3745,7 @@
 </p:sld>
 </file>
 
-<file path=ppt/slides/slide11.xml><?xml version="1.0" encoding="utf-8"?>
+<file path=ppt/slides/slide12.xml><?xml version="1.0" encoding="utf-8"?>
 <p:sld xmlns:a="http://schemas.openxmlformats.org/drawingml/2006/main" xmlns:r="http://schemas.openxmlformats.org/officeDocument/2006/relationships" xmlns:p="http://schemas.openxmlformats.org/presentationml/2006/main">
   <p:cSld>
     <p:spTree>
@@ -3922,7 +4034,7 @@
           <p:cNvPr id="2" name="TextBox 1">
             <a:extLst>
               <a:ext uri="{FF2B5EF4-FFF2-40B4-BE49-F238E27FC236}">
-                <a16:creationId xmlns:a16="http://schemas.microsoft.com/office/drawing/2014/main" id="{6718DA8D-B36D-0AAA-9707-678B254C1605}"/>
+                <a16:creationId xmlns:a16="http://schemas.microsoft.com/office/drawing/2014/main" id="{ADD123DD-D9A7-913C-71FD-05000E6BAC2C}"/>
               </a:ext>
             </a:extLst>
           </p:cNvPr>
@@ -3931,8 +4043,8 @@
         </p:nvSpPr>
         <p:spPr>
           <a:xfrm>
-            <a:off x="729047" y="877330"/>
-            <a:ext cx="3390672" cy="584775"/>
+            <a:off x="729046" y="877330"/>
+            <a:ext cx="10243753" cy="3785652"/>
           </a:xfrm>
           <a:prstGeom prst="rect">
             <a:avLst/>
@@ -3940,181 +4052,103 @@
           <a:noFill/>
         </p:spPr>
         <p:txBody>
-          <a:bodyPr wrap="none" rtlCol="0">
-            <a:spAutoFit/>
-          </a:bodyPr>
-          <a:lstStyle/>
-          <a:p>
-            <a:r>
-              <a:rPr lang="ko-KR" altLang="en-US" sz="3200" b="1"/>
-              <a:t>시큐어 코딩이란</a:t>
-            </a:r>
-            <a:r>
-              <a:rPr lang="en-US" altLang="ko-KR" sz="3200" b="1"/>
-              <a:t>?</a:t>
-            </a:r>
-            <a:endParaRPr lang="ko-KR" altLang="en-US" sz="3200" b="1"/>
-          </a:p>
-        </p:txBody>
-      </p:sp>
-      <p:sp>
-        <p:nvSpPr>
-          <p:cNvPr id="3" name="TextBox 2">
-            <a:extLst>
-              <a:ext uri="{FF2B5EF4-FFF2-40B4-BE49-F238E27FC236}">
-                <a16:creationId xmlns:a16="http://schemas.microsoft.com/office/drawing/2014/main" id="{1951AC44-1010-84BD-EFA0-F012F264B51B}"/>
-              </a:ext>
-            </a:extLst>
-          </p:cNvPr>
-          <p:cNvSpPr txBox="1"/>
-          <p:nvPr/>
-        </p:nvSpPr>
-        <p:spPr>
-          <a:xfrm>
-            <a:off x="729047" y="1878228"/>
-            <a:ext cx="10317894" cy="2062103"/>
-          </a:xfrm>
-          <a:prstGeom prst="rect">
-            <a:avLst/>
-          </a:prstGeom>
-          <a:noFill/>
-        </p:spPr>
-        <p:txBody>
           <a:bodyPr wrap="square" rtlCol="0">
             <a:spAutoFit/>
           </a:bodyPr>
           <a:lstStyle/>
           <a:p>
-            <a:r>
-              <a:rPr lang="ko-KR" altLang="en-US" sz="3200" dirty="0"/>
-              <a:t>소프트웨어</a:t>
-            </a:r>
-            <a:r>
-              <a:rPr lang="en-US" altLang="ko-KR" sz="3200" dirty="0"/>
-              <a:t>(SW)</a:t>
-            </a:r>
-            <a:r>
-              <a:rPr lang="ko-KR" altLang="en-US" sz="3200" dirty="0"/>
-              <a:t>를 개발함에 있어 </a:t>
-            </a:r>
-            <a:endParaRPr lang="en-US" altLang="ko-KR" sz="3200" dirty="0"/>
-          </a:p>
-          <a:p>
-            <a:r>
-              <a:rPr lang="ko-KR" altLang="en-US" sz="3200" dirty="0"/>
-              <a:t>개발자의 실수</a:t>
-            </a:r>
-            <a:r>
-              <a:rPr lang="en-US" altLang="ko-KR" sz="3200" dirty="0"/>
-              <a:t>, </a:t>
-            </a:r>
-            <a:r>
-              <a:rPr lang="ko-KR" altLang="en-US" sz="3200" dirty="0"/>
-              <a:t>논리적 오류 등으로 인해 </a:t>
-            </a:r>
-            <a:endParaRPr lang="en-US" altLang="ko-KR" sz="3200" dirty="0"/>
-          </a:p>
-          <a:p>
-            <a:r>
-              <a:rPr lang="en-US" altLang="ko-KR" sz="3200" dirty="0"/>
-              <a:t>SW</a:t>
-            </a:r>
-            <a:r>
-              <a:rPr lang="ko-KR" altLang="en-US" sz="3200" dirty="0"/>
-              <a:t>에 내포될 수 있는 보안취약점</a:t>
-            </a:r>
-            <a:r>
-              <a:rPr lang="en-US" altLang="ko-KR" sz="3200" dirty="0"/>
-              <a:t>(vulnerability)</a:t>
-            </a:r>
-            <a:r>
-              <a:rPr lang="ko-KR" altLang="en-US" sz="3200" dirty="0"/>
-              <a:t>을 </a:t>
-            </a:r>
-            <a:endParaRPr lang="en-US" altLang="ko-KR" sz="3200" dirty="0"/>
-          </a:p>
-          <a:p>
-            <a:r>
-              <a:rPr lang="ko-KR" altLang="en-US" sz="3200" dirty="0"/>
-              <a:t>배제하기 위한 코딩 기법</a:t>
-            </a:r>
-          </a:p>
-        </p:txBody>
-      </p:sp>
-      <p:sp>
-        <p:nvSpPr>
-          <p:cNvPr id="4" name="TextBox 3">
-            <a:extLst>
-              <a:ext uri="{FF2B5EF4-FFF2-40B4-BE49-F238E27FC236}">
-                <a16:creationId xmlns:a16="http://schemas.microsoft.com/office/drawing/2014/main" id="{0B98C827-BD37-2D78-679B-0D83D2B3A418}"/>
-              </a:ext>
-            </a:extLst>
-          </p:cNvPr>
-          <p:cNvSpPr txBox="1"/>
-          <p:nvPr/>
-        </p:nvSpPr>
-        <p:spPr>
-          <a:xfrm>
-            <a:off x="6710519" y="6434091"/>
-            <a:ext cx="5481481" cy="246221"/>
-          </a:xfrm>
-          <a:prstGeom prst="rect">
-            <a:avLst/>
-          </a:prstGeom>
-          <a:noFill/>
-        </p:spPr>
-        <p:txBody>
-          <a:bodyPr wrap="square" rtlCol="0">
-            <a:spAutoFit/>
-          </a:bodyPr>
-          <a:lstStyle/>
-          <a:p>
-            <a:r>
-              <a:rPr lang="en-US" altLang="ko-KR" sz="1000"/>
-              <a:t>owgno6, “01 </a:t>
-            </a:r>
-            <a:r>
-              <a:rPr lang="ko-KR" altLang="en-US" sz="1000"/>
-              <a:t>시큐어코딩</a:t>
-            </a:r>
-            <a:r>
-              <a:rPr lang="en-US" altLang="ko-KR" sz="1000"/>
-              <a:t>(secure</a:t>
-            </a:r>
-            <a:r>
-              <a:rPr lang="ko-KR" altLang="en-US" sz="1000"/>
+            <a:pPr marL="457200" indent="-457200">
+              <a:buFont typeface="Wingdings" panose="05000000000000000000" pitchFamily="2" charset="2"/>
+              <a:buChar char="Ø"/>
+            </a:pPr>
+            <a:r>
+              <a:rPr lang="ko-KR" altLang="en-US" sz="3200" b="1"/>
+              <a:t>활동 기간 </a:t>
+            </a:r>
+            <a:r>
+              <a:rPr lang="en-US" altLang="ko-KR" sz="3200" b="1"/>
+              <a:t>: </a:t>
+            </a:r>
+          </a:p>
+          <a:p>
+            <a:r>
+              <a:rPr lang="en-US" altLang="ko-KR" sz="3200" b="1"/>
+              <a:t>	6/22 ~ 7/22 </a:t>
+            </a:r>
+          </a:p>
+          <a:p>
+            <a:endParaRPr lang="en-US" altLang="ko-KR" sz="3200" b="1"/>
+          </a:p>
+          <a:p>
+            <a:pPr marL="457200" indent="-457200">
+              <a:buFont typeface="Wingdings" panose="05000000000000000000" pitchFamily="2" charset="2"/>
+              <a:buChar char="Ø"/>
+            </a:pPr>
+            <a:r>
+              <a:rPr lang="ko-KR" altLang="en-US" sz="3200" b="1"/>
+              <a:t>활동 내용 </a:t>
+            </a:r>
+            <a:r>
+              <a:rPr lang="en-US" altLang="ko-KR" sz="3200" b="1"/>
+              <a:t>:</a:t>
+            </a:r>
+          </a:p>
+          <a:p>
+            <a:r>
+              <a:rPr lang="en-US" altLang="ko-KR" sz="3200" b="1"/>
+              <a:t>	</a:t>
+            </a:r>
+            <a:r>
+              <a:rPr lang="ko-KR" altLang="en-US" sz="3200" b="1"/>
+              <a:t>한국인터넷진흥원 제공 </a:t>
+            </a:r>
+            <a:r>
+              <a:rPr lang="en-US" altLang="ko-KR" sz="3200" b="1"/>
+              <a:t>‘</a:t>
+            </a:r>
+            <a:r>
+              <a:rPr lang="ko-KR" altLang="en-US" sz="3200" b="1"/>
+              <a:t>코딩가이드</a:t>
+            </a:r>
+            <a:r>
+              <a:rPr lang="en-US" altLang="ko-KR" sz="3200" b="1"/>
+              <a:t>(C)pdf’ </a:t>
+            </a:r>
+            <a:r>
+              <a:rPr lang="ko-KR" altLang="en-US" sz="3200" b="1"/>
+              <a:t>정리</a:t>
+            </a:r>
+            <a:endParaRPr lang="en-US" altLang="ko-KR" sz="3200" b="1"/>
+          </a:p>
+          <a:p>
+            <a:r>
+              <a:rPr lang="en-US" altLang="ko-KR" sz="3200" b="1"/>
+              <a:t>	</a:t>
+            </a:r>
+            <a:r>
+              <a:rPr lang="en-US" altLang="ko-KR" sz="2400" b="1">
+                <a:hlinkClick r:id="rId2"/>
+              </a:rPr>
+              <a:t>https://www.kisa.or.kr/2060204/form?postSeq=7&amp;page=1</a:t>
+            </a:r>
+            <a:endParaRPr lang="en-US" altLang="ko-KR" sz="2400" b="1"/>
+          </a:p>
+          <a:p>
+            <a:endParaRPr lang="en-US" altLang="ko-KR" sz="2400" b="1"/>
+          </a:p>
+          <a:p>
+            <a:r>
+              <a:rPr lang="en-US" altLang="ko-KR" sz="2400" b="1"/>
               <a:t> </a:t>
             </a:r>
-            <a:r>
-              <a:rPr lang="en-US" altLang="ko-KR" sz="1000"/>
-              <a:t>coding)</a:t>
-            </a:r>
-            <a:r>
-              <a:rPr lang="ko-KR" altLang="en-US" sz="1000"/>
-              <a:t>이란</a:t>
-            </a:r>
-            <a:r>
-              <a:rPr lang="en-US" altLang="ko-KR" sz="1000"/>
-              <a:t>?.” 2018.08.11. </a:t>
-            </a:r>
-            <a:r>
-              <a:rPr lang="en-US" altLang="ko-KR" sz="1000">
-                <a:hlinkClick r:id="rId2"/>
-              </a:rPr>
-              <a:t>https://codelib.tistory.com/18</a:t>
-            </a:r>
-            <a:r>
-              <a:rPr lang="en-US" altLang="ko-KR" sz="1000"/>
-              <a:t> </a:t>
-            </a:r>
-            <a:endParaRPr lang="ko-KR" altLang="en-US" sz="1000"/>
+            <a:endParaRPr lang="ko-KR" altLang="en-US" sz="2400" b="1"/>
           </a:p>
         </p:txBody>
       </p:sp>
     </p:spTree>
     <p:extLst>
       <p:ext uri="{BB962C8B-B14F-4D97-AF65-F5344CB8AC3E}">
-        <p14:creationId xmlns:p14="http://schemas.microsoft.com/office/powerpoint/2010/main" val="2568485438"/>
+        <p14:creationId xmlns:p14="http://schemas.microsoft.com/office/powerpoint/2010/main" val="2818715454"/>
       </p:ext>
     </p:extLst>
   </p:cSld>
@@ -4143,110 +4177,20 @@
       </p:grpSpPr>
       <p:sp>
         <p:nvSpPr>
-          <p:cNvPr id="2" name="제목 1">
-            <a:extLst>
-              <a:ext uri="{FF2B5EF4-FFF2-40B4-BE49-F238E27FC236}">
-                <a16:creationId xmlns:a16="http://schemas.microsoft.com/office/drawing/2014/main" id="{93F653EF-C2BB-3925-E788-A9E81FFD9A5F}"/>
-              </a:ext>
-            </a:extLst>
-          </p:cNvPr>
-          <p:cNvSpPr>
-            <a:spLocks noGrp="1"/>
-          </p:cNvSpPr>
-          <p:nvPr>
-            <p:ph type="title"/>
-          </p:nvPr>
-        </p:nvSpPr>
-        <p:spPr/>
-        <p:txBody>
-          <a:bodyPr/>
-          <a:lstStyle/>
-          <a:p>
-            <a:r>
-              <a:rPr lang="ko-KR" altLang="en-US" b="1"/>
-              <a:t>시큐어 코딩이 중요한 이유</a:t>
-            </a:r>
-          </a:p>
-        </p:txBody>
-      </p:sp>
-      <p:sp>
-        <p:nvSpPr>
-          <p:cNvPr id="3" name="내용 개체 틀 2">
-            <a:extLst>
-              <a:ext uri="{FF2B5EF4-FFF2-40B4-BE49-F238E27FC236}">
-                <a16:creationId xmlns:a16="http://schemas.microsoft.com/office/drawing/2014/main" id="{8B48238D-9A0A-836C-E4EC-6D2BA35A278C}"/>
-              </a:ext>
-            </a:extLst>
-          </p:cNvPr>
-          <p:cNvSpPr>
-            <a:spLocks noGrp="1"/>
-          </p:cNvSpPr>
-          <p:nvPr>
-            <p:ph idx="1"/>
-          </p:nvPr>
+          <p:cNvPr id="2" name="TextBox 1">
+            <a:extLst>
+              <a:ext uri="{FF2B5EF4-FFF2-40B4-BE49-F238E27FC236}">
+                <a16:creationId xmlns:a16="http://schemas.microsoft.com/office/drawing/2014/main" id="{6718DA8D-B36D-0AAA-9707-678B254C1605}"/>
+              </a:ext>
+            </a:extLst>
+          </p:cNvPr>
+          <p:cNvSpPr txBox="1"/>
+          <p:nvPr/>
         </p:nvSpPr>
         <p:spPr>
           <a:xfrm>
-            <a:off x="838200" y="1924479"/>
-            <a:ext cx="10515600" cy="4351338"/>
-          </a:xfrm>
-        </p:spPr>
-        <p:txBody>
-          <a:bodyPr/>
-          <a:lstStyle/>
-          <a:p>
-            <a:r>
-              <a:rPr lang="ko-KR" altLang="en-US" dirty="0"/>
-              <a:t>비용효율적</a:t>
-            </a:r>
-            <a:endParaRPr lang="en-US" altLang="ko-KR" dirty="0"/>
-          </a:p>
-          <a:p>
-            <a:pPr marL="0" indent="0">
-              <a:buNone/>
-            </a:pPr>
-            <a:r>
-              <a:rPr lang="en-US" altLang="ko-KR" dirty="0"/>
-              <a:t>	- </a:t>
-            </a:r>
-            <a:r>
-              <a:rPr lang="ko-KR" altLang="en-US" dirty="0"/>
-              <a:t>서비스 이후에 발생할 수 있는 오류나 취약점을 사전에 </a:t>
-            </a:r>
-            <a:r>
-              <a:rPr lang="en-US" altLang="ko-KR" dirty="0"/>
-              <a:t>	 	  </a:t>
-            </a:r>
-            <a:r>
-              <a:rPr lang="ko-KR" altLang="en-US" dirty="0"/>
-              <a:t>발견 및 방지</a:t>
-            </a:r>
-            <a:endParaRPr lang="en-US" altLang="ko-KR" dirty="0"/>
-          </a:p>
-          <a:p>
-            <a:r>
-              <a:rPr lang="ko-KR" altLang="en-US" dirty="0"/>
-              <a:t>다양한 해킹 예방 및 개인정보의 보호</a:t>
-            </a:r>
-          </a:p>
-        </p:txBody>
-      </p:sp>
-      <p:sp>
-        <p:nvSpPr>
-          <p:cNvPr id="5" name="TextBox 4">
-            <a:extLst>
-              <a:ext uri="{FF2B5EF4-FFF2-40B4-BE49-F238E27FC236}">
-                <a16:creationId xmlns:a16="http://schemas.microsoft.com/office/drawing/2014/main" id="{85B0240A-AF37-7584-6A51-69017E9BC214}"/>
-              </a:ext>
-            </a:extLst>
-          </p:cNvPr>
-          <p:cNvSpPr txBox="1"/>
-          <p:nvPr/>
-        </p:nvSpPr>
-        <p:spPr>
-          <a:xfrm>
-            <a:off x="5844746" y="6275817"/>
-            <a:ext cx="6347254" cy="400110"/>
+            <a:off x="729047" y="877330"/>
+            <a:ext cx="3390672" cy="584775"/>
           </a:xfrm>
           <a:prstGeom prst="rect">
             <a:avLst/>
@@ -4254,49 +4198,181 @@
           <a:noFill/>
         </p:spPr>
         <p:txBody>
-          <a:bodyPr wrap="square">
+          <a:bodyPr wrap="none" rtlCol="0">
             <a:spAutoFit/>
           </a:bodyPr>
           <a:lstStyle/>
           <a:p>
             <a:r>
-              <a:rPr lang="ko-KR" altLang="en-US" sz="1000" dirty="0" err="1"/>
-              <a:t>지에스인포</a:t>
-            </a:r>
-            <a:r>
-              <a:rPr lang="en-US" altLang="ko-KR" sz="1000" dirty="0"/>
-              <a:t>, “#1. </a:t>
-            </a:r>
-            <a:r>
-              <a:rPr lang="ko-KR" altLang="en-US" sz="1000" dirty="0" err="1"/>
-              <a:t>시큐어코딩에</a:t>
-            </a:r>
-            <a:r>
-              <a:rPr lang="ko-KR" altLang="en-US" sz="1000" dirty="0"/>
-              <a:t> 대해 알아보자</a:t>
-            </a:r>
-            <a:r>
-              <a:rPr lang="en-US" altLang="ko-KR" sz="1000" dirty="0"/>
-              <a:t>.,” 2016.05.12 </a:t>
-            </a:r>
-            <a:r>
-              <a:rPr lang="en-US" altLang="ko-KR" sz="1000" dirty="0">
+              <a:rPr lang="ko-KR" altLang="en-US" sz="3200" b="1"/>
+              <a:t>시큐어 코딩이란</a:t>
+            </a:r>
+            <a:r>
+              <a:rPr lang="en-US" altLang="ko-KR" sz="3200" b="1"/>
+              <a:t>?</a:t>
+            </a:r>
+            <a:endParaRPr lang="ko-KR" altLang="en-US" sz="3200" b="1"/>
+          </a:p>
+        </p:txBody>
+      </p:sp>
+      <p:sp>
+        <p:nvSpPr>
+          <p:cNvPr id="3" name="TextBox 2">
+            <a:extLst>
+              <a:ext uri="{FF2B5EF4-FFF2-40B4-BE49-F238E27FC236}">
+                <a16:creationId xmlns:a16="http://schemas.microsoft.com/office/drawing/2014/main" id="{1951AC44-1010-84BD-EFA0-F012F264B51B}"/>
+              </a:ext>
+            </a:extLst>
+          </p:cNvPr>
+          <p:cNvSpPr txBox="1"/>
+          <p:nvPr/>
+        </p:nvSpPr>
+        <p:spPr>
+          <a:xfrm>
+            <a:off x="729047" y="1878228"/>
+            <a:ext cx="10317894" cy="2062103"/>
+          </a:xfrm>
+          <a:prstGeom prst="rect">
+            <a:avLst/>
+          </a:prstGeom>
+          <a:noFill/>
+        </p:spPr>
+        <p:txBody>
+          <a:bodyPr wrap="square" rtlCol="0">
+            <a:spAutoFit/>
+          </a:bodyPr>
+          <a:lstStyle/>
+          <a:p>
+            <a:r>
+              <a:rPr lang="ko-KR" altLang="en-US" sz="3200" dirty="0"/>
+              <a:t>소프트웨어</a:t>
+            </a:r>
+            <a:r>
+              <a:rPr lang="en-US" altLang="ko-KR" sz="3200" dirty="0"/>
+              <a:t>(SW)</a:t>
+            </a:r>
+            <a:r>
+              <a:rPr lang="ko-KR" altLang="en-US" sz="3200" dirty="0"/>
+              <a:t>를 개발함에 있어 </a:t>
+            </a:r>
+            <a:endParaRPr lang="en-US" altLang="ko-KR" sz="3200" dirty="0"/>
+          </a:p>
+          <a:p>
+            <a:r>
+              <a:rPr lang="ko-KR" altLang="en-US" sz="3200" dirty="0"/>
+              <a:t>개발자의 실수</a:t>
+            </a:r>
+            <a:r>
+              <a:rPr lang="en-US" altLang="ko-KR" sz="3200" dirty="0"/>
+              <a:t>, </a:t>
+            </a:r>
+            <a:r>
+              <a:rPr lang="ko-KR" altLang="en-US" sz="3200" dirty="0"/>
+              <a:t>논리적 오류 등으로 인해 </a:t>
+            </a:r>
+            <a:endParaRPr lang="en-US" altLang="ko-KR" sz="3200" dirty="0"/>
+          </a:p>
+          <a:p>
+            <a:r>
+              <a:rPr lang="en-US" altLang="ko-KR" sz="3200" dirty="0"/>
+              <a:t>SW</a:t>
+            </a:r>
+            <a:r>
+              <a:rPr lang="ko-KR" altLang="en-US" sz="3200" dirty="0"/>
+              <a:t>에 내포될 수 있는 보안취약점</a:t>
+            </a:r>
+            <a:r>
+              <a:rPr lang="en-US" altLang="ko-KR" sz="3200" dirty="0"/>
+              <a:t>(vulnerability)</a:t>
+            </a:r>
+            <a:r>
+              <a:rPr lang="ko-KR" altLang="en-US" sz="3200" dirty="0"/>
+              <a:t>을 </a:t>
+            </a:r>
+            <a:endParaRPr lang="en-US" altLang="ko-KR" sz="3200" dirty="0"/>
+          </a:p>
+          <a:p>
+            <a:r>
+              <a:rPr lang="ko-KR" altLang="en-US" sz="3200" dirty="0"/>
+              <a:t>배제하기 위한 코딩 기법</a:t>
+            </a:r>
+          </a:p>
+        </p:txBody>
+      </p:sp>
+      <p:sp>
+        <p:nvSpPr>
+          <p:cNvPr id="4" name="TextBox 3">
+            <a:extLst>
+              <a:ext uri="{FF2B5EF4-FFF2-40B4-BE49-F238E27FC236}">
+                <a16:creationId xmlns:a16="http://schemas.microsoft.com/office/drawing/2014/main" id="{0B98C827-BD37-2D78-679B-0D83D2B3A418}"/>
+              </a:ext>
+            </a:extLst>
+          </p:cNvPr>
+          <p:cNvSpPr txBox="1"/>
+          <p:nvPr/>
+        </p:nvSpPr>
+        <p:spPr>
+          <a:xfrm>
+            <a:off x="6710519" y="6434091"/>
+            <a:ext cx="5481481" cy="246221"/>
+          </a:xfrm>
+          <a:prstGeom prst="rect">
+            <a:avLst/>
+          </a:prstGeom>
+          <a:noFill/>
+        </p:spPr>
+        <p:txBody>
+          <a:bodyPr wrap="square" rtlCol="0">
+            <a:spAutoFit/>
+          </a:bodyPr>
+          <a:lstStyle/>
+          <a:p>
+            <a:r>
+              <a:rPr lang="en-US" altLang="ko-KR" sz="1000"/>
+              <a:t>owgno6, “01 </a:t>
+            </a:r>
+            <a:r>
+              <a:rPr lang="ko-KR" altLang="en-US" sz="1000"/>
+              <a:t>시큐어코딩</a:t>
+            </a:r>
+            <a:r>
+              <a:rPr lang="en-US" altLang="ko-KR" sz="1000"/>
+              <a:t>(secure</a:t>
+            </a:r>
+            <a:r>
+              <a:rPr lang="ko-KR" altLang="en-US" sz="1000"/>
+              <a:t> </a:t>
+            </a:r>
+            <a:r>
+              <a:rPr lang="en-US" altLang="ko-KR" sz="1000"/>
+              <a:t>coding)</a:t>
+            </a:r>
+            <a:r>
+              <a:rPr lang="ko-KR" altLang="en-US" sz="1000"/>
+              <a:t>이란</a:t>
+            </a:r>
+            <a:r>
+              <a:rPr lang="en-US" altLang="ko-KR" sz="1000"/>
+              <a:t>?.” 2018.08.11. </a:t>
+            </a:r>
+            <a:r>
+              <a:rPr lang="en-US" altLang="ko-KR" sz="1000">
                 <a:hlinkClick r:id="rId2"/>
               </a:rPr>
-              <a:t>https://m.blog.naver.com/PostView.naver?isHttpsRedirect=true&amp;blogId=gs_info&amp;logNo=220707616924</a:t>
-            </a:r>
-            <a:r>
-              <a:rPr lang="en-US" altLang="ko-KR" sz="1000" dirty="0"/>
+              <a:t>https://codelib.tistory.com/18</a:t>
+            </a:r>
+            <a:r>
+              <a:rPr lang="en-US" altLang="ko-KR" sz="1000"/>
               <a:t> </a:t>
             </a:r>
-            <a:endParaRPr lang="ko-KR" altLang="en-US" sz="1000" dirty="0"/>
+            <a:endParaRPr lang="ko-KR" altLang="en-US" sz="1000"/>
           </a:p>
         </p:txBody>
       </p:sp>
     </p:spTree>
     <p:extLst>
       <p:ext uri="{BB962C8B-B14F-4D97-AF65-F5344CB8AC3E}">
-        <p14:creationId xmlns:p14="http://schemas.microsoft.com/office/powerpoint/2010/main" val="623683468"/>
+        <p14:creationId xmlns:p14="http://schemas.microsoft.com/office/powerpoint/2010/main" val="2568485438"/>
       </p:ext>
     </p:extLst>
   </p:cSld>
@@ -4325,6 +4401,188 @@
       </p:grpSpPr>
       <p:sp>
         <p:nvSpPr>
+          <p:cNvPr id="2" name="제목 1">
+            <a:extLst>
+              <a:ext uri="{FF2B5EF4-FFF2-40B4-BE49-F238E27FC236}">
+                <a16:creationId xmlns:a16="http://schemas.microsoft.com/office/drawing/2014/main" id="{93F653EF-C2BB-3925-E788-A9E81FFD9A5F}"/>
+              </a:ext>
+            </a:extLst>
+          </p:cNvPr>
+          <p:cNvSpPr>
+            <a:spLocks noGrp="1"/>
+          </p:cNvSpPr>
+          <p:nvPr>
+            <p:ph type="title"/>
+          </p:nvPr>
+        </p:nvSpPr>
+        <p:spPr/>
+        <p:txBody>
+          <a:bodyPr/>
+          <a:lstStyle/>
+          <a:p>
+            <a:r>
+              <a:rPr lang="ko-KR" altLang="en-US" b="1"/>
+              <a:t>시큐어 코딩이 중요한 이유</a:t>
+            </a:r>
+          </a:p>
+        </p:txBody>
+      </p:sp>
+      <p:sp>
+        <p:nvSpPr>
+          <p:cNvPr id="3" name="내용 개체 틀 2">
+            <a:extLst>
+              <a:ext uri="{FF2B5EF4-FFF2-40B4-BE49-F238E27FC236}">
+                <a16:creationId xmlns:a16="http://schemas.microsoft.com/office/drawing/2014/main" id="{8B48238D-9A0A-836C-E4EC-6D2BA35A278C}"/>
+              </a:ext>
+            </a:extLst>
+          </p:cNvPr>
+          <p:cNvSpPr>
+            <a:spLocks noGrp="1"/>
+          </p:cNvSpPr>
+          <p:nvPr>
+            <p:ph idx="1"/>
+          </p:nvPr>
+        </p:nvSpPr>
+        <p:spPr>
+          <a:xfrm>
+            <a:off x="838200" y="1924479"/>
+            <a:ext cx="10515600" cy="4351338"/>
+          </a:xfrm>
+        </p:spPr>
+        <p:txBody>
+          <a:bodyPr/>
+          <a:lstStyle/>
+          <a:p>
+            <a:r>
+              <a:rPr lang="ko-KR" altLang="en-US" dirty="0"/>
+              <a:t>비용효율적</a:t>
+            </a:r>
+            <a:endParaRPr lang="en-US" altLang="ko-KR" dirty="0"/>
+          </a:p>
+          <a:p>
+            <a:pPr marL="0" indent="0">
+              <a:buNone/>
+            </a:pPr>
+            <a:r>
+              <a:rPr lang="en-US" altLang="ko-KR" dirty="0"/>
+              <a:t>	- </a:t>
+            </a:r>
+            <a:r>
+              <a:rPr lang="ko-KR" altLang="en-US" dirty="0"/>
+              <a:t>서비스 이후에 발생할 수 있는 오류나 취약점을 사전에 </a:t>
+            </a:r>
+            <a:r>
+              <a:rPr lang="en-US" altLang="ko-KR" dirty="0"/>
+              <a:t>	 	  </a:t>
+            </a:r>
+            <a:r>
+              <a:rPr lang="ko-KR" altLang="en-US" dirty="0"/>
+              <a:t>발견 및 방지</a:t>
+            </a:r>
+            <a:endParaRPr lang="en-US" altLang="ko-KR" dirty="0"/>
+          </a:p>
+          <a:p>
+            <a:r>
+              <a:rPr lang="ko-KR" altLang="en-US" dirty="0"/>
+              <a:t>다양한 해킹 예방 및 개인정보의 보호</a:t>
+            </a:r>
+          </a:p>
+        </p:txBody>
+      </p:sp>
+      <p:sp>
+        <p:nvSpPr>
+          <p:cNvPr id="5" name="TextBox 4">
+            <a:extLst>
+              <a:ext uri="{FF2B5EF4-FFF2-40B4-BE49-F238E27FC236}">
+                <a16:creationId xmlns:a16="http://schemas.microsoft.com/office/drawing/2014/main" id="{85B0240A-AF37-7584-6A51-69017E9BC214}"/>
+              </a:ext>
+            </a:extLst>
+          </p:cNvPr>
+          <p:cNvSpPr txBox="1"/>
+          <p:nvPr/>
+        </p:nvSpPr>
+        <p:spPr>
+          <a:xfrm>
+            <a:off x="5844746" y="6275817"/>
+            <a:ext cx="6347254" cy="400110"/>
+          </a:xfrm>
+          <a:prstGeom prst="rect">
+            <a:avLst/>
+          </a:prstGeom>
+          <a:noFill/>
+        </p:spPr>
+        <p:txBody>
+          <a:bodyPr wrap="square">
+            <a:spAutoFit/>
+          </a:bodyPr>
+          <a:lstStyle/>
+          <a:p>
+            <a:r>
+              <a:rPr lang="ko-KR" altLang="en-US" sz="1000" dirty="0" err="1"/>
+              <a:t>지에스인포</a:t>
+            </a:r>
+            <a:r>
+              <a:rPr lang="en-US" altLang="ko-KR" sz="1000" dirty="0"/>
+              <a:t>, “#1. </a:t>
+            </a:r>
+            <a:r>
+              <a:rPr lang="ko-KR" altLang="en-US" sz="1000" dirty="0" err="1"/>
+              <a:t>시큐어코딩에</a:t>
+            </a:r>
+            <a:r>
+              <a:rPr lang="ko-KR" altLang="en-US" sz="1000" dirty="0"/>
+              <a:t> 대해 알아보자</a:t>
+            </a:r>
+            <a:r>
+              <a:rPr lang="en-US" altLang="ko-KR" sz="1000" dirty="0"/>
+              <a:t>.,” 2016.05.12 </a:t>
+            </a:r>
+            <a:r>
+              <a:rPr lang="en-US" altLang="ko-KR" sz="1000" dirty="0">
+                <a:hlinkClick r:id="rId2"/>
+              </a:rPr>
+              <a:t>https://m.blog.naver.com/PostView.naver?isHttpsRedirect=true&amp;blogId=gs_info&amp;logNo=220707616924</a:t>
+            </a:r>
+            <a:r>
+              <a:rPr lang="en-US" altLang="ko-KR" sz="1000" dirty="0"/>
+              <a:t> </a:t>
+            </a:r>
+            <a:endParaRPr lang="ko-KR" altLang="en-US" sz="1000" dirty="0"/>
+          </a:p>
+        </p:txBody>
+      </p:sp>
+    </p:spTree>
+    <p:extLst>
+      <p:ext uri="{BB962C8B-B14F-4D97-AF65-F5344CB8AC3E}">
+        <p14:creationId xmlns:p14="http://schemas.microsoft.com/office/powerpoint/2010/main" val="623683468"/>
+      </p:ext>
+    </p:extLst>
+  </p:cSld>
+  <p:clrMapOvr>
+    <a:masterClrMapping/>
+  </p:clrMapOvr>
+</p:sld>
+</file>
+
+<file path=ppt/slides/slide5.xml><?xml version="1.0" encoding="utf-8"?>
+<p:sld xmlns:a="http://schemas.openxmlformats.org/drawingml/2006/main" xmlns:r="http://schemas.openxmlformats.org/officeDocument/2006/relationships" xmlns:p="http://schemas.openxmlformats.org/presentationml/2006/main">
+  <p:cSld>
+    <p:spTree>
+      <p:nvGrpSpPr>
+        <p:cNvPr id="1" name=""/>
+        <p:cNvGrpSpPr/>
+        <p:nvPr/>
+      </p:nvGrpSpPr>
+      <p:grpSpPr>
+        <a:xfrm>
+          <a:off x="0" y="0"/>
+          <a:ext cx="0" cy="0"/>
+          <a:chOff x="0" y="0"/>
+          <a:chExt cx="0" cy="0"/>
+        </a:xfrm>
+      </p:grpSpPr>
+      <p:sp>
+        <p:nvSpPr>
           <p:cNvPr id="3" name="내용 개체 틀 2">
             <a:extLst>
               <a:ext uri="{FF2B5EF4-FFF2-40B4-BE49-F238E27FC236}">
@@ -4777,7 +5035,7 @@
 </p:sld>
 </file>
 
-<file path=ppt/slides/slide5.xml><?xml version="1.0" encoding="utf-8"?>
+<file path=ppt/slides/slide6.xml><?xml version="1.0" encoding="utf-8"?>
 <p:sld xmlns:a="http://schemas.openxmlformats.org/drawingml/2006/main" xmlns:r="http://schemas.openxmlformats.org/officeDocument/2006/relationships" xmlns:p="http://schemas.openxmlformats.org/presentationml/2006/main">
   <p:cSld>
     <p:spTree>
@@ -5611,7 +5869,7 @@
 </p:sld>
 </file>
 
-<file path=ppt/slides/slide6.xml><?xml version="1.0" encoding="utf-8"?>
+<file path=ppt/slides/slide7.xml><?xml version="1.0" encoding="utf-8"?>
 <p:sld xmlns:a="http://schemas.openxmlformats.org/drawingml/2006/main" xmlns:r="http://schemas.openxmlformats.org/officeDocument/2006/relationships" xmlns:p="http://schemas.openxmlformats.org/presentationml/2006/main">
   <p:cSld>
     <p:spTree>
@@ -5800,119 +6058,6 @@
 </p:sld>
 </file>
 
-<file path=ppt/slides/slide7.xml><?xml version="1.0" encoding="utf-8"?>
-<p:sld xmlns:a="http://schemas.openxmlformats.org/drawingml/2006/main" xmlns:r="http://schemas.openxmlformats.org/officeDocument/2006/relationships" xmlns:p="http://schemas.openxmlformats.org/presentationml/2006/main">
-  <p:cSld>
-    <p:spTree>
-      <p:nvGrpSpPr>
-        <p:cNvPr id="1" name=""/>
-        <p:cNvGrpSpPr/>
-        <p:nvPr/>
-      </p:nvGrpSpPr>
-      <p:grpSpPr>
-        <a:xfrm>
-          <a:off x="0" y="0"/>
-          <a:ext cx="0" cy="0"/>
-          <a:chOff x="0" y="0"/>
-          <a:chExt cx="0" cy="0"/>
-        </a:xfrm>
-      </p:grpSpPr>
-      <p:sp>
-        <p:nvSpPr>
-          <p:cNvPr id="2" name="제목 1">
-            <a:extLst>
-              <a:ext uri="{FF2B5EF4-FFF2-40B4-BE49-F238E27FC236}">
-                <a16:creationId xmlns:a16="http://schemas.microsoft.com/office/drawing/2014/main" id="{656374FD-B5B3-3EF1-7FF7-056E72BE41C2}"/>
-              </a:ext>
-            </a:extLst>
-          </p:cNvPr>
-          <p:cNvSpPr>
-            <a:spLocks noGrp="1"/>
-          </p:cNvSpPr>
-          <p:nvPr>
-            <p:ph type="title"/>
-          </p:nvPr>
-        </p:nvSpPr>
-        <p:spPr/>
-        <p:txBody>
-          <a:bodyPr/>
-          <a:lstStyle/>
-          <a:p>
-            <a:r>
-              <a:rPr lang="en-US" altLang="ko-KR" b="1"/>
-              <a:t>4</a:t>
-            </a:r>
-            <a:r>
-              <a:rPr lang="ko-KR" altLang="en-US" b="1"/>
-              <a:t>절 에러처리</a:t>
-            </a:r>
-          </a:p>
-        </p:txBody>
-      </p:sp>
-      <p:sp>
-        <p:nvSpPr>
-          <p:cNvPr id="3" name="내용 개체 틀 2">
-            <a:extLst>
-              <a:ext uri="{FF2B5EF4-FFF2-40B4-BE49-F238E27FC236}">
-                <a16:creationId xmlns:a16="http://schemas.microsoft.com/office/drawing/2014/main" id="{F8B4F7D4-6AB0-05D4-877B-FE42DCA438A1}"/>
-              </a:ext>
-            </a:extLst>
-          </p:cNvPr>
-          <p:cNvSpPr>
-            <a:spLocks noGrp="1"/>
-          </p:cNvSpPr>
-          <p:nvPr>
-            <p:ph idx="1"/>
-          </p:nvPr>
-        </p:nvSpPr>
-        <p:spPr/>
-        <p:txBody>
-          <a:bodyPr/>
-          <a:lstStyle/>
-          <a:p>
-            <a:pPr marL="514350" indent="-514350">
-              <a:buAutoNum type="arabicPeriod"/>
-            </a:pPr>
-            <a:r>
-              <a:rPr lang="ko-KR" altLang="en-US"/>
-              <a:t>오류 메시지를 통한 정보 노출</a:t>
-            </a:r>
-            <a:endParaRPr lang="en-US" altLang="ko-KR"/>
-          </a:p>
-          <a:p>
-            <a:pPr marL="514350" indent="-514350">
-              <a:buAutoNum type="arabicPeriod"/>
-            </a:pPr>
-            <a:r>
-              <a:rPr lang="ko-KR" altLang="en-US"/>
-              <a:t>오류 상황 대응 부재</a:t>
-            </a:r>
-            <a:endParaRPr lang="en-US" altLang="ko-KR"/>
-          </a:p>
-          <a:p>
-            <a:pPr marL="514350" indent="-514350">
-              <a:buAutoNum type="arabicPeriod"/>
-            </a:pPr>
-            <a:r>
-              <a:rPr lang="ko-KR" altLang="en-US"/>
-              <a:t>적절하지 않은 예외처리</a:t>
-            </a:r>
-          </a:p>
-        </p:txBody>
-      </p:sp>
-    </p:spTree>
-    <p:extLst>
-      <p:ext uri="{BB962C8B-B14F-4D97-AF65-F5344CB8AC3E}">
-        <p14:creationId xmlns:p14="http://schemas.microsoft.com/office/powerpoint/2010/main" val="3413742210"/>
-      </p:ext>
-    </p:extLst>
-  </p:cSld>
-  <p:clrMapOvr>
-    <a:masterClrMapping/>
-  </p:clrMapOvr>
-</p:sld>
-</file>
-
 <file path=ppt/slides/slide8.xml><?xml version="1.0" encoding="utf-8"?>
 <p:sld xmlns:a="http://schemas.openxmlformats.org/drawingml/2006/main" xmlns:r="http://schemas.openxmlformats.org/officeDocument/2006/relationships" xmlns:p="http://schemas.openxmlformats.org/presentationml/2006/main">
   <p:cSld>
@@ -5935,7 +6080,7 @@
           <p:cNvPr id="2" name="제목 1">
             <a:extLst>
               <a:ext uri="{FF2B5EF4-FFF2-40B4-BE49-F238E27FC236}">
-                <a16:creationId xmlns:a16="http://schemas.microsoft.com/office/drawing/2014/main" id="{BB7460B0-7D1B-766A-4F43-5B58BA4D108F}"/>
+                <a16:creationId xmlns:a16="http://schemas.microsoft.com/office/drawing/2014/main" id="{656374FD-B5B3-3EF1-7FF7-056E72BE41C2}"/>
               </a:ext>
             </a:extLst>
           </p:cNvPr>
@@ -5953,11 +6098,11 @@
           <a:p>
             <a:r>
               <a:rPr lang="en-US" altLang="ko-KR" b="1"/>
-              <a:t>5</a:t>
+              <a:t>4</a:t>
             </a:r>
             <a:r>
               <a:rPr lang="ko-KR" altLang="en-US" b="1"/>
-              <a:t>절 코드 오류</a:t>
+              <a:t>절 에러처리</a:t>
             </a:r>
           </a:p>
         </p:txBody>
@@ -5967,7 +6112,7 @@
           <p:cNvPr id="3" name="내용 개체 틀 2">
             <a:extLst>
               <a:ext uri="{FF2B5EF4-FFF2-40B4-BE49-F238E27FC236}">
-                <a16:creationId xmlns:a16="http://schemas.microsoft.com/office/drawing/2014/main" id="{5F2EA4B3-94D2-F598-4A31-06CE254562FA}"/>
+                <a16:creationId xmlns:a16="http://schemas.microsoft.com/office/drawing/2014/main" id="{F8B4F7D4-6AB0-05D4-877B-FE42DCA438A1}"/>
               </a:ext>
             </a:extLst>
           </p:cNvPr>
@@ -5988,7 +6133,7 @@
             </a:pPr>
             <a:r>
               <a:rPr lang="ko-KR" altLang="en-US"/>
-              <a:t>널포인트 역참조</a:t>
+              <a:t>오류 메시지를 통한 정보 노출</a:t>
             </a:r>
             <a:endParaRPr lang="en-US" altLang="ko-KR"/>
           </a:p>
@@ -5998,7 +6143,7 @@
             </a:pPr>
             <a:r>
               <a:rPr lang="ko-KR" altLang="en-US"/>
-              <a:t>부적절한 자원 해제</a:t>
+              <a:t>오류 상황 대응 부재</a:t>
             </a:r>
             <a:endParaRPr lang="en-US" altLang="ko-KR"/>
           </a:p>
@@ -6008,65 +6153,7 @@
             </a:pPr>
             <a:r>
               <a:rPr lang="ko-KR" altLang="en-US"/>
-              <a:t>무부호 타입</a:t>
-            </a:r>
-            <a:r>
-              <a:rPr lang="en-US" altLang="ko-KR"/>
-              <a:t>(unsigned integer)</a:t>
-            </a:r>
-            <a:r>
-              <a:rPr lang="ko-KR" altLang="en-US"/>
-              <a:t>으로 변환 오류</a:t>
-            </a:r>
-            <a:endParaRPr lang="en-US" altLang="ko-KR"/>
-          </a:p>
-          <a:p>
-            <a:pPr marL="514350" indent="-514350">
-              <a:buAutoNum type="arabicPeriod"/>
-            </a:pPr>
-            <a:r>
-              <a:rPr lang="ko-KR" altLang="en-US"/>
-              <a:t>스택 변수 주소 리턴</a:t>
-            </a:r>
-            <a:endParaRPr lang="en-US" altLang="ko-KR"/>
-          </a:p>
-          <a:p>
-            <a:pPr marL="514350" indent="-514350">
-              <a:buAutoNum type="arabicPeriod"/>
-            </a:pPr>
-            <a:r>
-              <a:rPr lang="ko-KR" altLang="en-US"/>
-              <a:t>매크로의 잘못된 사용</a:t>
-            </a:r>
-            <a:endParaRPr lang="en-US" altLang="ko-KR"/>
-          </a:p>
-          <a:p>
-            <a:pPr marL="514350" indent="-514350">
-              <a:buAutoNum type="arabicPeriod"/>
-            </a:pPr>
-            <a:r>
-              <a:rPr lang="ko-KR" altLang="en-US"/>
-              <a:t>스택 주소 해제</a:t>
-            </a:r>
-            <a:endParaRPr lang="en-US" altLang="ko-KR"/>
-          </a:p>
-          <a:p>
-            <a:pPr marL="514350" indent="-514350">
-              <a:buAutoNum type="arabicPeriod"/>
-            </a:pPr>
-            <a:r>
-              <a:rPr lang="ko-KR" altLang="en-US"/>
-              <a:t>스레드 조기 종료</a:t>
-            </a:r>
-            <a:endParaRPr lang="en-US" altLang="ko-KR"/>
-          </a:p>
-          <a:p>
-            <a:pPr marL="514350" indent="-514350">
-              <a:buAutoNum type="arabicPeriod"/>
-            </a:pPr>
-            <a:r>
-              <a:rPr lang="ko-KR" altLang="en-US"/>
-              <a:t>무한 자원 할당</a:t>
+              <a:t>적절하지 않은 예외처리</a:t>
             </a:r>
           </a:p>
         </p:txBody>
@@ -6074,7 +6161,7 @@
     </p:spTree>
     <p:extLst>
       <p:ext uri="{BB962C8B-B14F-4D97-AF65-F5344CB8AC3E}">
-        <p14:creationId xmlns:p14="http://schemas.microsoft.com/office/powerpoint/2010/main" val="536930759"/>
+        <p14:creationId xmlns:p14="http://schemas.microsoft.com/office/powerpoint/2010/main" val="3413742210"/>
       </p:ext>
     </p:extLst>
   </p:cSld>
@@ -6106,7 +6193,7 @@
           <p:cNvPr id="2" name="제목 1">
             <a:extLst>
               <a:ext uri="{FF2B5EF4-FFF2-40B4-BE49-F238E27FC236}">
-                <a16:creationId xmlns:a16="http://schemas.microsoft.com/office/drawing/2014/main" id="{9C51D5ED-0C81-9A61-464B-CBC11AB0C77C}"/>
+                <a16:creationId xmlns:a16="http://schemas.microsoft.com/office/drawing/2014/main" id="{BB7460B0-7D1B-766A-4F43-5B58BA4D108F}"/>
               </a:ext>
             </a:extLst>
           </p:cNvPr>
@@ -6124,11 +6211,11 @@
           <a:p>
             <a:r>
               <a:rPr lang="en-US" altLang="ko-KR" b="1"/>
-              <a:t>6</a:t>
+              <a:t>5</a:t>
             </a:r>
             <a:r>
               <a:rPr lang="ko-KR" altLang="en-US" b="1"/>
-              <a:t>절 캡슐화</a:t>
+              <a:t>절 코드 오류</a:t>
             </a:r>
           </a:p>
         </p:txBody>
@@ -6138,7 +6225,7 @@
           <p:cNvPr id="3" name="내용 개체 틀 2">
             <a:extLst>
               <a:ext uri="{FF2B5EF4-FFF2-40B4-BE49-F238E27FC236}">
-                <a16:creationId xmlns:a16="http://schemas.microsoft.com/office/drawing/2014/main" id="{EA831A3E-7533-45B0-4190-04F49D5E6408}"/>
+                <a16:creationId xmlns:a16="http://schemas.microsoft.com/office/drawing/2014/main" id="{5F2EA4B3-94D2-F598-4A31-06CE254562FA}"/>
               </a:ext>
             </a:extLst>
           </p:cNvPr>
@@ -6159,7 +6246,7 @@
             </a:pPr>
             <a:r>
               <a:rPr lang="ko-KR" altLang="en-US"/>
-              <a:t>제거되지 않은 디버그 코드</a:t>
+              <a:t>널포인트 역참조</a:t>
             </a:r>
             <a:endParaRPr lang="en-US" altLang="ko-KR"/>
           </a:p>
@@ -6169,7 +6256,75 @@
             </a:pPr>
             <a:r>
               <a:rPr lang="ko-KR" altLang="en-US"/>
-              <a:t>시스템 데이터 정보 노출</a:t>
+              <a:t>부적절한 자원 해제</a:t>
+            </a:r>
+            <a:endParaRPr lang="en-US" altLang="ko-KR"/>
+          </a:p>
+          <a:p>
+            <a:pPr marL="514350" indent="-514350">
+              <a:buAutoNum type="arabicPeriod"/>
+            </a:pPr>
+            <a:r>
+              <a:rPr lang="ko-KR" altLang="en-US"/>
+              <a:t>무부호 타입</a:t>
+            </a:r>
+            <a:r>
+              <a:rPr lang="en-US" altLang="ko-KR"/>
+              <a:t>(unsigned integer)</a:t>
+            </a:r>
+            <a:r>
+              <a:rPr lang="ko-KR" altLang="en-US"/>
+              <a:t>으로 변환 오류</a:t>
+            </a:r>
+            <a:endParaRPr lang="en-US" altLang="ko-KR"/>
+          </a:p>
+          <a:p>
+            <a:pPr marL="514350" indent="-514350">
+              <a:buAutoNum type="arabicPeriod"/>
+            </a:pPr>
+            <a:r>
+              <a:rPr lang="ko-KR" altLang="en-US"/>
+              <a:t>스택 변수 주소 리턴</a:t>
+            </a:r>
+            <a:endParaRPr lang="en-US" altLang="ko-KR"/>
+          </a:p>
+          <a:p>
+            <a:pPr marL="514350" indent="-514350">
+              <a:buAutoNum type="arabicPeriod"/>
+            </a:pPr>
+            <a:r>
+              <a:rPr lang="ko-KR" altLang="en-US"/>
+              <a:t>매크로의 잘못된 사용</a:t>
+            </a:r>
+            <a:endParaRPr lang="en-US" altLang="ko-KR"/>
+          </a:p>
+          <a:p>
+            <a:pPr marL="514350" indent="-514350">
+              <a:buAutoNum type="arabicPeriod"/>
+            </a:pPr>
+            <a:r>
+              <a:rPr lang="ko-KR" altLang="en-US"/>
+              <a:t>스택 주소 해제</a:t>
+            </a:r>
+            <a:endParaRPr lang="en-US" altLang="ko-KR"/>
+          </a:p>
+          <a:p>
+            <a:pPr marL="514350" indent="-514350">
+              <a:buAutoNum type="arabicPeriod"/>
+            </a:pPr>
+            <a:r>
+              <a:rPr lang="ko-KR" altLang="en-US"/>
+              <a:t>스레드 조기 종료</a:t>
+            </a:r>
+            <a:endParaRPr lang="en-US" altLang="ko-KR"/>
+          </a:p>
+          <a:p>
+            <a:pPr marL="514350" indent="-514350">
+              <a:buAutoNum type="arabicPeriod"/>
+            </a:pPr>
+            <a:r>
+              <a:rPr lang="ko-KR" altLang="en-US"/>
+              <a:t>무한 자원 할당</a:t>
             </a:r>
           </a:p>
         </p:txBody>
@@ -6177,7 +6332,7 @@
     </p:spTree>
     <p:extLst>
       <p:ext uri="{BB962C8B-B14F-4D97-AF65-F5344CB8AC3E}">
-        <p14:creationId xmlns:p14="http://schemas.microsoft.com/office/powerpoint/2010/main" val="611997382"/>
+        <p14:creationId xmlns:p14="http://schemas.microsoft.com/office/powerpoint/2010/main" val="536930759"/>
       </p:ext>
     </p:extLst>
   </p:cSld>

--- a/발표자료/Secure Coding 발표자료(수정).pptx
+++ b/발표자료/Secure Coding 발표자료(수정).pptx
@@ -1,6 +1,6 @@
 
 <file path=ppt/presentation.xml><?xml version="1.0" encoding="utf-8"?>
-<p:presentation xmlns:a="http://schemas.openxmlformats.org/drawingml/2006/main" xmlns:r="http://schemas.openxmlformats.org/officeDocument/2006/relationships" xmlns:p="http://schemas.openxmlformats.org/presentationml/2006/main" saveSubsetFonts="1">
+<p:presentation xmlns:r="http://schemas.openxmlformats.org/officeDocument/2006/relationships" xmlns:c="http://schemas.openxmlformats.org/drawingml/2006/chart" xmlns:a="http://schemas.openxmlformats.org/drawingml/2006/main" xmlns:dgm="http://schemas.openxmlformats.org/drawingml/2006/diagram" xmlns:dsp="http://schemas.microsoft.com/office/drawing/2008/diagram" xmlns:p="http://schemas.openxmlformats.org/presentationml/2006/main">
   <p:sldMasterIdLst>
     <p:sldMasterId id="2147483648" r:id="rId1"/>
   </p:sldMasterIdLst>
@@ -115,31 +115,7 @@
       </a:defRPr>
     </a:lvl9pPr>
   </p:defaultTextStyle>
-  <p:extLst>
-    <p:ext uri="{EFAFB233-063F-42B5-8137-9DF3F51BA10A}">
-      <p15:sldGuideLst xmlns:p15="http://schemas.microsoft.com/office/powerpoint/2012/main">
-        <p15:guide id="1" orient="horz" pos="2160" userDrawn="1">
-          <p15:clr>
-            <a:srgbClr val="A4A3A4"/>
-          </p15:clr>
-        </p15:guide>
-        <p15:guide id="2" pos="3840" userDrawn="1">
-          <p15:clr>
-            <a:srgbClr val="A4A3A4"/>
-          </p15:clr>
-        </p15:guide>
-      </p15:sldGuideLst>
-    </p:ext>
-  </p:extLst>
 </p:presentation>
-</file>
-
-<file path=ppt/revisionInfo.xml><?xml version="1.0" encoding="utf-8"?>
-<p1510:revInfo xmlns:a="http://schemas.openxmlformats.org/drawingml/2006/main" xmlns:r="http://schemas.openxmlformats.org/officeDocument/2006/relationships" xmlns:p1510="http://schemas.microsoft.com/office/powerpoint/2015/10/main">
-  <p1510:revLst>
-    <p1510:client id="{FDB0CE73-674C-4572-A5E7-7996780A23CB}" v="12" dt="2022-08-12T11:02:39.095"/>
-  </p1510:revLst>
-</p1510:revInfo>
 </file>
 
 <file path=ppt/slideLayouts/slideLayout1.xml><?xml version="1.0" encoding="utf-8"?>
@@ -4565,7 +4541,7 @@
 </file>
 
 <file path=ppt/slides/slide5.xml><?xml version="1.0" encoding="utf-8"?>
-<p:sld xmlns:a="http://schemas.openxmlformats.org/drawingml/2006/main" xmlns:r="http://schemas.openxmlformats.org/officeDocument/2006/relationships" xmlns:p="http://schemas.openxmlformats.org/presentationml/2006/main">
+<p:sld xmlns:r="http://schemas.openxmlformats.org/officeDocument/2006/relationships" xmlns:c="http://schemas.openxmlformats.org/drawingml/2006/chart" xmlns:a="http://schemas.openxmlformats.org/drawingml/2006/main" xmlns:dgm="http://schemas.openxmlformats.org/drawingml/2006/diagram" xmlns:dsp="http://schemas.microsoft.com/office/drawing/2008/diagram" xmlns:p="http://schemas.openxmlformats.org/presentationml/2006/main">
   <p:cSld>
     <p:spTree>
       <p:nvGrpSpPr>
@@ -4583,13 +4559,7 @@
       </p:grpSpPr>
       <p:sp>
         <p:nvSpPr>
-          <p:cNvPr id="3" name="내용 개체 틀 2">
-            <a:extLst>
-              <a:ext uri="{FF2B5EF4-FFF2-40B4-BE49-F238E27FC236}">
-                <a16:creationId xmlns:a16="http://schemas.microsoft.com/office/drawing/2014/main" id="{1620EEC6-6476-9C0A-A584-E34C541480BE}"/>
-              </a:ext>
-            </a:extLst>
-          </p:cNvPr>
+          <p:cNvPr id="3" name="내용 개체 틀 2"/>
           <p:cNvSpPr>
             <a:spLocks noGrp="1"/>
           </p:cNvSpPr>
@@ -4599,8 +4569,8 @@
         </p:nvSpPr>
         <p:spPr>
           <a:xfrm>
-            <a:off x="619125" y="1593850"/>
-            <a:ext cx="11239500" cy="5102225"/>
+            <a:off x="310462" y="1516620"/>
+            <a:ext cx="11624106" cy="5102225"/>
           </a:xfrm>
         </p:spPr>
         <p:txBody>
@@ -4609,376 +4579,203 @@
           </a:bodyPr>
           <a:lstStyle/>
           <a:p>
-            <a:r>
-              <a:rPr lang="ko-KR" altLang="en-US" sz="1700" dirty="0"/>
+            <a:pPr lvl="0">
+              <a:defRPr/>
+            </a:pPr>
+            <a:r>
+              <a:rPr lang="ko-KR" altLang="en-US" sz="2000"/>
               <a:t>입력 받은 데이터 </a:t>
             </a:r>
             <a:r>
-              <a:rPr lang="ko-KR" altLang="en-US" sz="1700" b="1" dirty="0"/>
+              <a:rPr lang="ko-KR" altLang="en-US" sz="2000" b="1"/>
               <a:t>값</a:t>
             </a:r>
             <a:r>
-              <a:rPr lang="ko-KR" altLang="en-US" sz="1700" dirty="0"/>
+              <a:rPr lang="ko-KR" altLang="en-US" sz="2000"/>
               <a:t> 또는 데이터의 </a:t>
             </a:r>
             <a:r>
-              <a:rPr lang="ko-KR" altLang="en-US" sz="1700" b="1" dirty="0"/>
+              <a:rPr lang="ko-KR" altLang="en-US" sz="2000" b="1"/>
               <a:t>출처</a:t>
             </a:r>
             <a:r>
-              <a:rPr lang="ko-KR" altLang="en-US" sz="1700" dirty="0"/>
+              <a:rPr lang="ko-KR" altLang="en-US" sz="2000"/>
               <a:t> 등이 제대로 검증하지 않은 경우</a:t>
             </a:r>
-            <a:endParaRPr lang="en-US" altLang="ko-KR" sz="1700" dirty="0"/>
+            <a:endParaRPr lang="ko-KR" altLang="en-US" sz="2000"/>
           </a:p>
           <a:p>
             <a:pPr marL="0" indent="0">
               <a:buNone/>
+              <a:defRPr/>
             </a:pPr>
             <a:r>
-              <a:rPr lang="en-US" altLang="ko-KR" sz="1300" dirty="0"/>
+              <a:rPr lang="en-US" altLang="ko-KR" sz="2000"/>
               <a:t>    ex) SQL</a:t>
             </a:r>
             <a:r>
-              <a:rPr lang="ko-KR" altLang="en-US" sz="1300" dirty="0"/>
+              <a:rPr lang="ko-KR" altLang="en-US" sz="2000"/>
               <a:t>문 삽입</a:t>
             </a:r>
             <a:r>
-              <a:rPr lang="en-US" altLang="ko-KR" sz="1300" dirty="0"/>
+              <a:rPr lang="en-US" altLang="ko-KR" sz="2000"/>
               <a:t>,  </a:t>
             </a:r>
             <a:r>
-              <a:rPr lang="ko-KR" altLang="en-US" sz="1300" dirty="0"/>
+              <a:rPr lang="ko-KR" altLang="en-US" sz="2000"/>
               <a:t>자원 삽입</a:t>
             </a:r>
             <a:r>
-              <a:rPr lang="en-US" altLang="ko-KR" sz="1300" dirty="0"/>
+              <a:rPr lang="en-US" altLang="ko-KR" sz="2000"/>
               <a:t>,  </a:t>
             </a:r>
             <a:r>
-              <a:rPr lang="ko-KR" altLang="en-US" sz="1300" dirty="0"/>
+              <a:rPr lang="ko-KR" altLang="en-US" sz="2000"/>
               <a:t>운영체제 명령어 삽입 등</a:t>
             </a:r>
-            <a:endParaRPr lang="en-US" altLang="ko-KR" sz="1300" dirty="0"/>
+            <a:endParaRPr lang="ko-KR" altLang="en-US" sz="2000"/>
           </a:p>
           <a:p>
             <a:pPr marL="0" indent="0">
               <a:buNone/>
+              <a:defRPr/>
             </a:pPr>
-            <a:r>
-              <a:rPr lang="en-US" altLang="ko-KR" sz="1300" dirty="0"/>
-              <a:t>      </a:t>
-            </a:r>
-            <a:r>
-              <a:rPr lang="ko-KR" altLang="en-US" sz="1300" dirty="0"/>
-              <a:t>해결방안</a:t>
-            </a:r>
-            <a:r>
-              <a:rPr lang="en-US" altLang="ko-KR" sz="1300" dirty="0"/>
-              <a:t>: </a:t>
-            </a:r>
-            <a:r>
-              <a:rPr lang="ko-KR" altLang="en-US" sz="1300" dirty="0">
-                <a:sym typeface="Wingdings" panose="05000000000000000000" pitchFamily="2" charset="2"/>
-              </a:rPr>
-              <a:t>① </a:t>
-            </a:r>
-            <a:r>
-              <a:rPr lang="ko-KR" altLang="en-US" sz="1300" dirty="0"/>
-              <a:t>입력 받은 값을 필터링을 통해 처리 후 사용</a:t>
-            </a:r>
-            <a:endParaRPr lang="en-US" altLang="ko-KR" sz="1300" dirty="0"/>
+            <a:endParaRPr lang="ko-KR" altLang="en-US" sz="2000"/>
+          </a:p>
+          <a:p>
+            <a:pPr lvl="0">
+              <a:defRPr/>
+            </a:pPr>
+            <a:r>
+              <a:rPr lang="ko-KR" altLang="en-US" sz="2000"/>
+              <a:t>입력 받은</a:t>
+            </a:r>
+            <a:r>
+              <a:rPr lang="en-US" altLang="ko-KR" sz="2000"/>
+              <a:t> </a:t>
+            </a:r>
+            <a:r>
+              <a:rPr lang="ko-KR" altLang="en-US" sz="2000" b="1"/>
+              <a:t>데이터 값이 조작</a:t>
+            </a:r>
+            <a:r>
+              <a:rPr lang="ko-KR" altLang="en-US" sz="2000"/>
+              <a:t>되는 경우</a:t>
+            </a:r>
+            <a:endParaRPr lang="ko-KR" altLang="en-US" sz="2000"/>
           </a:p>
           <a:p>
             <a:pPr marL="0" indent="0">
               <a:buNone/>
+              <a:defRPr/>
             </a:pPr>
             <a:r>
-              <a:rPr lang="ko-KR" altLang="en-US" sz="1300" dirty="0">
-                <a:sym typeface="Wingdings" panose="05000000000000000000" pitchFamily="2" charset="2"/>
-              </a:rPr>
-              <a:t>                   ② </a:t>
-            </a:r>
-            <a:r>
-              <a:rPr lang="ko-KR" altLang="en-US" sz="1300" dirty="0"/>
-              <a:t>신뢰성 있는 내용을 리스트로 작성 혹은 사전에 정의한 후 사용</a:t>
-            </a:r>
-            <a:endParaRPr lang="en-US" altLang="ko-KR" sz="1300" dirty="0"/>
-          </a:p>
-          <a:p>
-            <a:endParaRPr lang="en-US" altLang="ko-KR" sz="1700" dirty="0"/>
-          </a:p>
-          <a:p>
-            <a:r>
-              <a:rPr lang="ko-KR" altLang="en-US" sz="1700" dirty="0"/>
-              <a:t>입력 받은</a:t>
-            </a:r>
-            <a:r>
-              <a:rPr lang="en-US" altLang="ko-KR" sz="1700" dirty="0"/>
+              <a:rPr lang="en-US" altLang="ko-KR" sz="2000"/>
+              <a:t>    ex) </a:t>
+            </a:r>
+            <a:r>
+              <a:rPr lang="ko-KR" altLang="en-US" sz="2000"/>
+              <a:t>보호 매커니즘을 우회할 수 있는 입력 값 변조</a:t>
+            </a:r>
+            <a:r>
+              <a:rPr lang="en-US" altLang="ko-KR" sz="2000"/>
+              <a:t>(</a:t>
+            </a:r>
+            <a:r>
+              <a:rPr lang="ko-KR" altLang="en-US" sz="2000"/>
+              <a:t>쿠키</a:t>
+            </a:r>
+            <a:r>
+              <a:rPr lang="en-US" altLang="ko-KR" sz="2000"/>
+              <a:t>, </a:t>
+            </a:r>
+            <a:r>
+              <a:rPr lang="ko-KR" altLang="en-US" sz="2000"/>
+              <a:t>환경 변수 등의 입력 값 변조</a:t>
+            </a:r>
+            <a:r>
+              <a:rPr lang="en-US" altLang="ko-KR" sz="2000"/>
+              <a:t>), </a:t>
+            </a:r>
+            <a:r>
+              <a:rPr lang="ko-KR" altLang="en-US" sz="2000"/>
               <a:t> </a:t>
             </a:r>
-            <a:r>
-              <a:rPr lang="ko-KR" altLang="en-US" sz="1700" dirty="0"/>
-              <a:t>데이터 값이 조작되는 경우</a:t>
-            </a:r>
-            <a:endParaRPr lang="en-US" altLang="ko-KR" sz="1700" dirty="0"/>
+            <a:endParaRPr lang="ko-KR" altLang="en-US" sz="2000"/>
           </a:p>
           <a:p>
             <a:pPr marL="0" indent="0">
               <a:buNone/>
+              <a:defRPr/>
             </a:pPr>
             <a:r>
-              <a:rPr lang="en-US" altLang="ko-KR" sz="1300" dirty="0"/>
-              <a:t>    ex) </a:t>
-            </a:r>
-            <a:r>
-              <a:rPr lang="ko-KR" altLang="en-US" sz="1300" dirty="0"/>
-              <a:t>보호 </a:t>
-            </a:r>
-            <a:r>
-              <a:rPr lang="ko-KR" altLang="en-US" sz="1300" dirty="0" err="1"/>
-              <a:t>매커니즘을</a:t>
-            </a:r>
-            <a:r>
-              <a:rPr lang="ko-KR" altLang="en-US" sz="1300" dirty="0"/>
-              <a:t> 우회할 수 있는 입력 값 변조</a:t>
-            </a:r>
-            <a:r>
-              <a:rPr lang="en-US" altLang="ko-KR" sz="1300" dirty="0"/>
-              <a:t>(</a:t>
-            </a:r>
-            <a:r>
-              <a:rPr lang="ko-KR" altLang="en-US" sz="1300" dirty="0"/>
-              <a:t>쿠키</a:t>
-            </a:r>
-            <a:r>
-              <a:rPr lang="en-US" altLang="ko-KR" sz="1300" dirty="0"/>
-              <a:t>, </a:t>
-            </a:r>
-            <a:r>
-              <a:rPr lang="ko-KR" altLang="en-US" sz="1300" dirty="0"/>
-              <a:t>환경 변수 등의 입력 값 변조</a:t>
-            </a:r>
-            <a:r>
-              <a:rPr lang="en-US" altLang="ko-KR" sz="1300" dirty="0"/>
-              <a:t>), </a:t>
-            </a:r>
-            <a:r>
-              <a:rPr lang="ko-KR" altLang="en-US" sz="1300" dirty="0"/>
-              <a:t>디렉터리 경로 조작</a:t>
-            </a:r>
-            <a:endParaRPr lang="en-US" altLang="ko-KR" sz="1300" dirty="0"/>
+              <a:rPr lang="ko-KR" altLang="en-US" sz="2000"/>
+              <a:t>        디렉터리 경로조작 </a:t>
+            </a:r>
+            <a:endParaRPr lang="ko-KR" altLang="en-US" sz="2000"/>
           </a:p>
           <a:p>
             <a:pPr marL="0" indent="0">
               <a:buNone/>
+              <a:defRPr/>
             </a:pPr>
-            <a:r>
-              <a:rPr lang="ko-KR" altLang="en-US" sz="1300" dirty="0"/>
-              <a:t>     해결</a:t>
-            </a:r>
-            <a:r>
-              <a:rPr lang="en-US" altLang="ko-KR" sz="1300" dirty="0"/>
-              <a:t>: </a:t>
-            </a:r>
-            <a:r>
-              <a:rPr lang="ko-KR" altLang="en-US" sz="1300" dirty="0">
-                <a:sym typeface="Wingdings" panose="05000000000000000000" pitchFamily="2" charset="2"/>
-              </a:rPr>
-              <a:t>① </a:t>
-            </a:r>
-            <a:r>
-              <a:rPr lang="ko-KR" altLang="en-US" sz="1300" dirty="0"/>
-              <a:t>민감한 데이터나 중요데이터는 서버에 저장</a:t>
-            </a:r>
-            <a:r>
-              <a:rPr lang="en-US" altLang="ko-KR" sz="1300" dirty="0"/>
+            <a:endParaRPr lang="ko-KR" altLang="en-US" sz="2000"/>
+          </a:p>
+          <a:p>
+            <a:pPr lvl="0">
+              <a:defRPr/>
+            </a:pPr>
+            <a:r>
+              <a:rPr lang="ko-KR" altLang="en-US" sz="2000" b="1"/>
+              <a:t>오버플로우</a:t>
+            </a:r>
+            <a:r>
+              <a:rPr lang="ko-KR" altLang="en-US" sz="2000"/>
+              <a:t> 발생</a:t>
+            </a:r>
+            <a:endParaRPr lang="ko-KR" altLang="en-US" sz="2000"/>
+          </a:p>
+          <a:p>
+            <a:pPr marL="0" indent="0">
+              <a:buNone/>
+              <a:defRPr/>
+            </a:pPr>
+            <a:r>
+              <a:rPr lang="en-US" altLang="ko-KR" sz="2000"/>
+              <a:t> </a:t>
+            </a:r>
+            <a:r>
+              <a:rPr lang="ko-KR" altLang="en-US" sz="2000"/>
+              <a:t>    </a:t>
+            </a:r>
+            <a:r>
+              <a:rPr lang="en-US" altLang="ko-KR" sz="2000"/>
+              <a:t>ex) </a:t>
+            </a:r>
+            <a:r>
+              <a:rPr lang="ko-KR" altLang="en-US" sz="2000"/>
+              <a:t>스택에 할당된 버퍼 오버플로우</a:t>
+            </a:r>
+            <a:r>
+              <a:rPr lang="en-US" altLang="ko-KR" sz="2000"/>
               <a:t>,  </a:t>
             </a:r>
+            <a:r>
+              <a:rPr lang="ko-KR" altLang="en-US" sz="2000"/>
+              <a:t>힙에 할당된 버퍼 오버플로우</a:t>
+            </a:r>
+            <a:endParaRPr lang="ko-KR" altLang="en-US" sz="2000"/>
           </a:p>
           <a:p>
             <a:pPr marL="0" indent="0">
               <a:buNone/>
+              <a:defRPr/>
             </a:pPr>
             <a:r>
-              <a:rPr lang="ko-KR" altLang="en-US" sz="1300" dirty="0">
-                <a:sym typeface="Wingdings" panose="05000000000000000000" pitchFamily="2" charset="2"/>
-              </a:rPr>
-              <a:t>            ② </a:t>
-            </a:r>
-            <a:r>
-              <a:rPr lang="ko-KR" altLang="en-US" sz="1300" dirty="0"/>
-              <a:t>외부에서 입력된 값에 의존하지 않는 구조로 설계</a:t>
-            </a:r>
-            <a:endParaRPr lang="en-US" altLang="ko-KR" sz="1300" dirty="0"/>
-          </a:p>
-          <a:p>
-            <a:pPr marL="0" indent="0">
-              <a:buNone/>
-            </a:pPr>
-            <a:endParaRPr lang="en-US" altLang="ko-KR" sz="1300" dirty="0"/>
-          </a:p>
-          <a:p>
-            <a:r>
-              <a:rPr lang="ko-KR" altLang="en-US" sz="1700" dirty="0" err="1"/>
-              <a:t>오버플로우</a:t>
-            </a:r>
-            <a:r>
-              <a:rPr lang="ko-KR" altLang="en-US" sz="1700" dirty="0"/>
-              <a:t> 발생</a:t>
-            </a:r>
-            <a:endParaRPr lang="en-US" altLang="ko-KR" sz="1700" dirty="0"/>
-          </a:p>
-          <a:p>
-            <a:pPr marL="0" indent="0">
-              <a:buNone/>
-            </a:pPr>
-            <a:r>
-              <a:rPr lang="en-US" altLang="ko-KR" sz="1300" dirty="0"/>
+              <a:rPr lang="en-US" altLang="ko-KR" sz="2000"/>
               <a:t> </a:t>
             </a:r>
-            <a:r>
-              <a:rPr lang="ko-KR" altLang="en-US" sz="1300" dirty="0"/>
-              <a:t>    </a:t>
-            </a:r>
-            <a:r>
-              <a:rPr lang="en-US" altLang="ko-KR" sz="1300" dirty="0"/>
-              <a:t>ex) </a:t>
-            </a:r>
-            <a:r>
-              <a:rPr lang="ko-KR" altLang="en-US" sz="1300" dirty="0"/>
-              <a:t>스택에 할당된 버퍼 </a:t>
-            </a:r>
-            <a:r>
-              <a:rPr lang="ko-KR" altLang="en-US" sz="1300" dirty="0" err="1"/>
-              <a:t>오버플로우</a:t>
-            </a:r>
-            <a:r>
-              <a:rPr lang="en-US" altLang="ko-KR" sz="1300" dirty="0"/>
-              <a:t>,  </a:t>
-            </a:r>
-            <a:r>
-              <a:rPr lang="ko-KR" altLang="en-US" sz="1300" dirty="0" err="1"/>
-              <a:t>힙에</a:t>
-            </a:r>
-            <a:r>
-              <a:rPr lang="ko-KR" altLang="en-US" sz="1300" dirty="0"/>
-              <a:t> 할당된 버퍼 </a:t>
-            </a:r>
-            <a:r>
-              <a:rPr lang="ko-KR" altLang="en-US" sz="1300" dirty="0" err="1"/>
-              <a:t>오버플로우</a:t>
-            </a:r>
-            <a:endParaRPr lang="en-US" altLang="ko-KR" sz="1300" dirty="0"/>
-          </a:p>
-          <a:p>
-            <a:pPr marL="0" indent="0">
-              <a:buNone/>
-            </a:pPr>
-            <a:r>
-              <a:rPr lang="en-US" altLang="ko-KR" sz="1300" dirty="0"/>
-              <a:t>      </a:t>
-            </a:r>
-            <a:r>
-              <a:rPr lang="ko-KR" altLang="en-US" sz="1300" dirty="0"/>
-              <a:t>해결</a:t>
-            </a:r>
-            <a:r>
-              <a:rPr lang="en-US" altLang="ko-KR" sz="1300" dirty="0"/>
-              <a:t>:</a:t>
-            </a:r>
-            <a:r>
-              <a:rPr lang="ko-KR" altLang="en-US" sz="1300" dirty="0">
-                <a:sym typeface="Wingdings" panose="05000000000000000000" pitchFamily="2" charset="2"/>
-              </a:rPr>
-              <a:t> ①</a:t>
-            </a:r>
-            <a:r>
-              <a:rPr lang="en-US" altLang="ko-KR" sz="1300" dirty="0"/>
-              <a:t> </a:t>
-            </a:r>
-            <a:r>
-              <a:rPr lang="ko-KR" altLang="en-US" sz="1300" dirty="0"/>
-              <a:t>버퍼가 저장 할 수 있는 것 보다 많은 데이터를 입력하지 않는다</a:t>
-            </a:r>
-            <a:r>
-              <a:rPr lang="en-US" altLang="ko-KR" sz="1300" dirty="0"/>
-              <a:t>,</a:t>
-            </a:r>
-          </a:p>
-          <a:p>
-            <a:pPr marL="0" indent="0">
-              <a:buNone/>
-            </a:pPr>
-            <a:r>
-              <a:rPr lang="en-US" altLang="ko-KR" sz="1300" dirty="0"/>
-              <a:t>             </a:t>
-            </a:r>
-            <a:r>
-              <a:rPr lang="ko-KR" altLang="en-US" sz="1300" dirty="0">
-                <a:sym typeface="Wingdings" panose="05000000000000000000" pitchFamily="2" charset="2"/>
-              </a:rPr>
-              <a:t>② </a:t>
-            </a:r>
-            <a:r>
-              <a:rPr lang="ko-KR" altLang="en-US" sz="1300" dirty="0"/>
-              <a:t>적절한 메모리 계산으로 로직 에러를 예방한다</a:t>
-            </a:r>
-            <a:r>
-              <a:rPr lang="en-US" altLang="ko-KR" sz="1300" dirty="0"/>
-              <a:t>,</a:t>
-            </a:r>
-          </a:p>
-          <a:p>
-            <a:pPr marL="0" indent="0">
-              <a:buNone/>
-            </a:pPr>
-            <a:r>
-              <a:rPr lang="en-US" altLang="ko-KR" sz="1300" dirty="0"/>
-              <a:t>             ③ </a:t>
-            </a:r>
-            <a:r>
-              <a:rPr lang="ko-KR" altLang="en-US" sz="1300" dirty="0"/>
-              <a:t>버퍼 경계 밖 메모리영역을 참조하지 않는다</a:t>
-            </a:r>
-            <a:endParaRPr lang="en-US" altLang="ko-KR" sz="1300" dirty="0"/>
-          </a:p>
-          <a:p>
-            <a:pPr marL="0" indent="0">
-              <a:buNone/>
-            </a:pPr>
-            <a:r>
-              <a:rPr lang="en-US" altLang="ko-KR" sz="1300" dirty="0"/>
-              <a:t>             ④ </a:t>
-            </a:r>
-            <a:r>
-              <a:rPr lang="en-US" altLang="ko-KR" sz="1300" dirty="0" err="1"/>
-              <a:t>strcpy</a:t>
-            </a:r>
-            <a:r>
-              <a:rPr lang="en-US" altLang="ko-KR" sz="1300" dirty="0"/>
-              <a:t>( )</a:t>
-            </a:r>
-            <a:r>
-              <a:rPr lang="ko-KR" altLang="en-US" sz="1300" dirty="0"/>
-              <a:t> 등</a:t>
-            </a:r>
-            <a:r>
-              <a:rPr lang="en-US" altLang="ko-KR" sz="1300" dirty="0"/>
-              <a:t> </a:t>
-            </a:r>
-            <a:r>
-              <a:rPr lang="ko-KR" altLang="en-US" sz="1300" dirty="0"/>
-              <a:t>같이 버퍼 </a:t>
-            </a:r>
-            <a:r>
-              <a:rPr lang="ko-KR" altLang="en-US" sz="1300" dirty="0" err="1"/>
-              <a:t>오버플로우에</a:t>
-            </a:r>
-            <a:r>
-              <a:rPr lang="ko-KR" altLang="en-US" sz="1300" dirty="0"/>
-              <a:t> 취약한 함수를 사용하지 않는다</a:t>
-            </a:r>
+            <a:endParaRPr lang="ko-KR" altLang="en-US" sz="2000"/>
           </a:p>
         </p:txBody>
       </p:sp>
@@ -5032,6 +4829,14 @@
   <p:clrMapOvr>
     <a:masterClrMapping/>
   </p:clrMapOvr>
+  <mc:AlternateContent xmlns:mc="http://schemas.openxmlformats.org/markup-compatibility/2006">
+    <mc:Choice xmlns:p14="http://schemas.microsoft.com/office/powerpoint/2010/main" Requires="p14">
+      <p:transition xmlns:mc="http://schemas.openxmlformats.org/markup-compatibility/2006" xmlns:p14="http://schemas.microsoft.com/office/powerpoint/2010/main" mc:Ignorable="p14" p14:dur="500"/>
+    </mc:Choice>
+    <mc:Fallback>
+      <p:transition/>
+    </mc:Fallback>
+  </mc:AlternateContent>
 </p:sld>
 </file>
 
@@ -6343,44 +6148,44 @@
 </file>
 
 <file path=ppt/theme/theme1.xml><?xml version="1.0" encoding="utf-8"?>
-<a:theme xmlns:a="http://schemas.openxmlformats.org/drawingml/2006/main" name="Office 테마">
+<a:theme xmlns:r="http://schemas.openxmlformats.org/officeDocument/2006/relationships" xmlns:c="http://schemas.openxmlformats.org/drawingml/2006/chart" xmlns:dgm="http://schemas.openxmlformats.org/drawingml/2006/diagram" xmlns:dsp="http://schemas.microsoft.com/office/drawing/2008/diagram" xmlns:a="http://schemas.openxmlformats.org/drawingml/2006/main" xmlns:pic="http://schemas.openxmlformats.org/drawingml/2006/picture" xmlns:wp="http://schemas.openxmlformats.org/drawingml/2006/wordprocessingDrawing" xmlns:xdr="http://schemas.openxmlformats.org/drawingml/2006/spreadsheetDrawing" xmlns:lc="http://schemas.openxmlformats.org/drawingml/2006/lockedCanvas" xmlns:p="http://schemas.openxmlformats.org/presentationml/2006/main" name="Office 테마">
   <a:themeElements>
     <a:clrScheme name="Office">
       <a:dk1>
         <a:sysClr val="windowText" lastClr="000000"/>
       </a:dk1>
       <a:lt1>
-        <a:sysClr val="window" lastClr="FFFFFF"/>
+        <a:sysClr val="window" lastClr="ffffff"/>
       </a:lt1>
       <a:dk2>
-        <a:srgbClr val="44546A"/>
+        <a:srgbClr val="44546a"/>
       </a:dk2>
       <a:lt2>
-        <a:srgbClr val="E7E6E6"/>
+        <a:srgbClr val="e7e6e6"/>
       </a:lt2>
       <a:accent1>
-        <a:srgbClr val="4472C4"/>
+        <a:srgbClr val="4472c4"/>
       </a:accent1>
       <a:accent2>
-        <a:srgbClr val="ED7D31"/>
+        <a:srgbClr val="ed7d31"/>
       </a:accent2>
       <a:accent3>
-        <a:srgbClr val="A5A5A5"/>
+        <a:srgbClr val="a5a5a5"/>
       </a:accent3>
       <a:accent4>
-        <a:srgbClr val="FFC000"/>
+        <a:srgbClr val="ffc000"/>
       </a:accent4>
       <a:accent5>
-        <a:srgbClr val="5B9BD5"/>
+        <a:srgbClr val="5b9bd5"/>
       </a:accent5>
       <a:accent6>
-        <a:srgbClr val="70AD47"/>
+        <a:srgbClr val="70ad47"/>
       </a:accent6>
       <a:hlink>
-        <a:srgbClr val="0563C1"/>
+        <a:srgbClr val="0563c1"/>
       </a:hlink>
       <a:folHlink>
-        <a:srgbClr val="954F72"/>
+        <a:srgbClr val="954f72"/>
       </a:folHlink>
     </a:clrScheme>
     <a:fontScheme name="Office">
@@ -6388,7 +6193,7 @@
         <a:latin typeface="맑은 고딕" panose="020F0302020204030204"/>
         <a:ea typeface=""/>
         <a:cs typeface=""/>
-        <a:font script="Jpan" typeface="游ゴシック Light"/>
+        <a:font script="Jpan" typeface="Yu Gothic Light"/>
         <a:font script="Hang" typeface="맑은 고딕"/>
         <a:font script="Hans" typeface="等线 Light"/>
         <a:font script="Hant" typeface="新細明體"/>
@@ -6440,7 +6245,7 @@
         <a:latin typeface="맑은 고딕" panose="020F0502020204030204"/>
         <a:ea typeface=""/>
         <a:cs typeface=""/>
-        <a:font script="Jpan" typeface="游ゴシック"/>
+        <a:font script="Jpan" typeface="Yu Gothic"/>
         <a:font script="Hang" typeface="맑은 고딕"/>
         <a:font script="Hans" typeface="等线"/>
         <a:font script="Hant" typeface="新細明體"/>
@@ -6553,21 +6358,21 @@
             <a:schemeClr val="phClr"/>
           </a:solidFill>
           <a:prstDash val="solid"/>
-          <a:miter lim="800000"/>
+          <a:miter/>
         </a:ln>
         <a:ln w="12700" cap="flat" cmpd="sng" algn="ctr">
           <a:solidFill>
             <a:schemeClr val="phClr"/>
           </a:solidFill>
           <a:prstDash val="solid"/>
-          <a:miter lim="800000"/>
+          <a:miter/>
         </a:ln>
         <a:ln w="19050" cap="flat" cmpd="sng" algn="ctr">
           <a:solidFill>
             <a:schemeClr val="phClr"/>
           </a:solidFill>
           <a:prstDash val="solid"/>
-          <a:miter lim="800000"/>
+          <a:miter/>
         </a:ln>
       </a:lnStyleLst>
       <a:effectStyleLst>
@@ -6627,12 +6432,5 @@
       </a:bgFillStyleLst>
     </a:fmtScheme>
   </a:themeElements>
-  <a:objectDefaults/>
-  <a:extraClrSchemeLst/>
-  <a:extLst>
-    <a:ext uri="{05A4C25C-085E-4340-85A3-A5531E510DB2}">
-      <thm15:themeFamily xmlns:thm15="http://schemas.microsoft.com/office/thememl/2012/main" name="Office Theme" id="{62F939B6-93AF-4DB8-9C6B-D6C7DFDC589F}" vid="{4A3C46E8-61CC-4603-A589-7422A47A8E4A}"/>
-    </a:ext>
-  </a:extLst>
 </a:theme>
 </file>